--- a/Confluent Schema Registry.pptx
+++ b/Confluent Schema Registry.pptx
@@ -13,7 +13,8 @@
     <p:sldId id="257" r:id="rId7"/>
     <p:sldId id="264" r:id="rId8"/>
     <p:sldId id="263" r:id="rId9"/>
-    <p:sldId id="258" r:id="rId10"/>
+    <p:sldId id="265" r:id="rId10"/>
+    <p:sldId id="258" r:id="rId11"/>
   </p:sldIdLst>
   <p:sldSz cx="12192000" cy="6858000"/>
   <p:notesSz cx="6858000" cy="9144000"/>
@@ -112,6 +113,11 @@
       </a:defRPr>
     </a:lvl9pPr>
   </p:defaultTextStyle>
+  <p:extLst>
+    <p:ext uri="{EFAFB233-063F-42B5-8137-9DF3F51BA10A}">
+      <p15:sldGuideLst xmlns:p15="http://schemas.microsoft.com/office/powerpoint/2012/main"/>
+    </p:ext>
+  </p:extLst>
 </p:presentation>
 </file>
 
@@ -304,7 +310,7 @@
             <a:fld id="{B61BEF0D-F0BB-DE4B-95CE-6DB70DBA9567}" type="datetimeFigureOut">
               <a:rPr lang="en-US" dirty="0"/>
               <a:pPr/>
-              <a:t>6/25/2021</a:t>
+              <a:t>6/28/2021</a:t>
             </a:fld>
             <a:endParaRPr lang="en-US" dirty="0"/>
           </a:p>
@@ -639,7 +645,7 @@
             <a:fld id="{B61BEF0D-F0BB-DE4B-95CE-6DB70DBA9567}" type="datetimeFigureOut">
               <a:rPr lang="en-US" dirty="0"/>
               <a:pPr/>
-              <a:t>6/25/2021</a:t>
+              <a:t>6/28/2021</a:t>
             </a:fld>
             <a:endParaRPr lang="en-US" dirty="0"/>
           </a:p>
@@ -1037,7 +1043,7 @@
             <a:fld id="{B61BEF0D-F0BB-DE4B-95CE-6DB70DBA9567}" type="datetimeFigureOut">
               <a:rPr lang="en-US" dirty="0"/>
               <a:pPr/>
-              <a:t>6/25/2021</a:t>
+              <a:t>6/28/2021</a:t>
             </a:fld>
             <a:endParaRPr lang="en-US" dirty="0"/>
           </a:p>
@@ -1370,7 +1376,7 @@
             <a:fld id="{B61BEF0D-F0BB-DE4B-95CE-6DB70DBA9567}" type="datetimeFigureOut">
               <a:rPr lang="en-US" dirty="0"/>
               <a:pPr/>
-              <a:t>6/25/2021</a:t>
+              <a:t>6/28/2021</a:t>
             </a:fld>
             <a:endParaRPr lang="en-US" dirty="0"/>
           </a:p>
@@ -1687,7 +1693,7 @@
             <a:fld id="{B61BEF0D-F0BB-DE4B-95CE-6DB70DBA9567}" type="datetimeFigureOut">
               <a:rPr lang="en-US" dirty="0"/>
               <a:pPr/>
-              <a:t>6/25/2021</a:t>
+              <a:t>6/28/2021</a:t>
             </a:fld>
             <a:endParaRPr lang="en-US" dirty="0"/>
           </a:p>
@@ -2080,7 +2086,7 @@
             <a:fld id="{B61BEF0D-F0BB-DE4B-95CE-6DB70DBA9567}" type="datetimeFigureOut">
               <a:rPr lang="en-US" dirty="0"/>
               <a:pPr/>
-              <a:t>6/25/2021</a:t>
+              <a:t>6/28/2021</a:t>
             </a:fld>
             <a:endParaRPr lang="en-US" dirty="0"/>
           </a:p>
@@ -2334,7 +2340,7 @@
             <a:fld id="{B61BEF0D-F0BB-DE4B-95CE-6DB70DBA9567}" type="datetimeFigureOut">
               <a:rPr lang="en-US" dirty="0"/>
               <a:pPr/>
-              <a:t>6/25/2021</a:t>
+              <a:t>6/28/2021</a:t>
             </a:fld>
             <a:endParaRPr lang="en-US" dirty="0"/>
           </a:p>
@@ -2593,7 +2599,7 @@
             <a:fld id="{B61BEF0D-F0BB-DE4B-95CE-6DB70DBA9567}" type="datetimeFigureOut">
               <a:rPr lang="en-US" dirty="0"/>
               <a:pPr/>
-              <a:t>6/25/2021</a:t>
+              <a:t>6/28/2021</a:t>
             </a:fld>
             <a:endParaRPr lang="en-US" dirty="0"/>
           </a:p>
@@ -2852,7 +2858,7 @@
             <a:fld id="{B61BEF0D-F0BB-DE4B-95CE-6DB70DBA9567}" type="datetimeFigureOut">
               <a:rPr lang="en-US" dirty="0"/>
               <a:pPr/>
-              <a:t>6/25/2021</a:t>
+              <a:t>6/28/2021</a:t>
             </a:fld>
             <a:endParaRPr lang="en-US" dirty="0"/>
           </a:p>
@@ -3178,7 +3184,7 @@
             <a:fld id="{B61BEF0D-F0BB-DE4B-95CE-6DB70DBA9567}" type="datetimeFigureOut">
               <a:rPr lang="en-US" dirty="0"/>
               <a:pPr/>
-              <a:t>6/25/2021</a:t>
+              <a:t>6/28/2021</a:t>
             </a:fld>
             <a:endParaRPr lang="en-US" dirty="0"/>
           </a:p>
@@ -3498,7 +3504,7 @@
             <a:fld id="{B61BEF0D-F0BB-DE4B-95CE-6DB70DBA9567}" type="datetimeFigureOut">
               <a:rPr lang="en-US" dirty="0"/>
               <a:pPr/>
-              <a:t>6/25/2021</a:t>
+              <a:t>6/28/2021</a:t>
             </a:fld>
             <a:endParaRPr lang="en-US" dirty="0"/>
           </a:p>
@@ -3952,7 +3958,7 @@
             <a:fld id="{B61BEF0D-F0BB-DE4B-95CE-6DB70DBA9567}" type="datetimeFigureOut">
               <a:rPr lang="en-US" dirty="0"/>
               <a:pPr/>
-              <a:t>6/25/2021</a:t>
+              <a:t>6/28/2021</a:t>
             </a:fld>
             <a:endParaRPr lang="en-US" dirty="0"/>
           </a:p>
@@ -4154,7 +4160,7 @@
             <a:fld id="{B61BEF0D-F0BB-DE4B-95CE-6DB70DBA9567}" type="datetimeFigureOut">
               <a:rPr lang="en-US" dirty="0"/>
               <a:pPr/>
-              <a:t>6/25/2021</a:t>
+              <a:t>6/28/2021</a:t>
             </a:fld>
             <a:endParaRPr lang="en-US" dirty="0"/>
           </a:p>
@@ -4328,7 +4334,7 @@
             <a:fld id="{B61BEF0D-F0BB-DE4B-95CE-6DB70DBA9567}" type="datetimeFigureOut">
               <a:rPr lang="en-US" dirty="0"/>
               <a:pPr/>
-              <a:t>6/25/2021</a:t>
+              <a:t>6/28/2021</a:t>
             </a:fld>
             <a:endParaRPr lang="en-US" dirty="0"/>
           </a:p>
@@ -4658,7 +4664,7 @@
             <a:fld id="{B61BEF0D-F0BB-DE4B-95CE-6DB70DBA9567}" type="datetimeFigureOut">
               <a:rPr lang="en-US" dirty="0"/>
               <a:pPr/>
-              <a:t>6/25/2021</a:t>
+              <a:t>6/28/2021</a:t>
             </a:fld>
             <a:endParaRPr lang="en-US" dirty="0"/>
           </a:p>
@@ -5000,7 +5006,7 @@
             <a:fld id="{B61BEF0D-F0BB-DE4B-95CE-6DB70DBA9567}" type="datetimeFigureOut">
               <a:rPr lang="en-US" dirty="0"/>
               <a:pPr/>
-              <a:t>6/25/2021</a:t>
+              <a:t>6/28/2021</a:t>
             </a:fld>
             <a:endParaRPr lang="en-US" dirty="0"/>
           </a:p>
@@ -7114,7 +7120,7 @@
             <a:fld id="{B61BEF0D-F0BB-DE4B-95CE-6DB70DBA9567}" type="datetimeFigureOut">
               <a:rPr lang="en-US" dirty="0"/>
               <a:pPr/>
-              <a:t>6/25/2021</a:t>
+              <a:t>6/28/2021</a:t>
             </a:fld>
             <a:endParaRPr lang="en-US" dirty="0"/>
           </a:p>
@@ -7694,6 +7700,162 @@
 </p:sld>
 </file>
 
+<file path=ppt/slides/slide10.xml><?xml version="1.0" encoding="utf-8"?>
+<p:sld xmlns:a="http://schemas.openxmlformats.org/drawingml/2006/main" xmlns:r="http://schemas.openxmlformats.org/officeDocument/2006/relationships" xmlns:p="http://schemas.openxmlformats.org/presentationml/2006/main">
+  <p:cSld>
+    <p:spTree>
+      <p:nvGrpSpPr>
+        <p:cNvPr id="1" name=""/>
+        <p:cNvGrpSpPr/>
+        <p:nvPr/>
+      </p:nvGrpSpPr>
+      <p:grpSpPr>
+        <a:xfrm>
+          <a:off x="0" y="0"/>
+          <a:ext cx="0" cy="0"/>
+          <a:chOff x="0" y="0"/>
+          <a:chExt cx="0" cy="0"/>
+        </a:xfrm>
+      </p:grpSpPr>
+      <p:sp>
+        <p:nvSpPr>
+          <p:cNvPr id="2" name="Title 1"/>
+          <p:cNvSpPr>
+            <a:spLocks noGrp="1"/>
+          </p:cNvSpPr>
+          <p:nvPr>
+            <p:ph type="title"/>
+          </p:nvPr>
+        </p:nvSpPr>
+        <p:spPr/>
+        <p:txBody>
+          <a:bodyPr/>
+          <a:lstStyle/>
+          <a:p>
+            <a:r>
+              <a:rPr lang="en-IN" b="1" dirty="0" smtClean="0"/>
+              <a:t>Installation Guide </a:t>
+            </a:r>
+            <a:endParaRPr lang="en-IN" b="1" dirty="0"/>
+          </a:p>
+        </p:txBody>
+      </p:sp>
+      <p:sp>
+        <p:nvSpPr>
+          <p:cNvPr id="4" name="Content Placeholder 3"/>
+          <p:cNvSpPr>
+            <a:spLocks noGrp="1"/>
+          </p:cNvSpPr>
+          <p:nvPr>
+            <p:ph idx="1"/>
+          </p:nvPr>
+        </p:nvSpPr>
+        <p:spPr/>
+        <p:txBody>
+          <a:bodyPr>
+            <a:normAutofit lnSpcReduction="10000"/>
+          </a:bodyPr>
+          <a:lstStyle/>
+          <a:p>
+            <a:r>
+              <a:rPr lang="en-IN" sz="2400" b="1" dirty="0">
+                <a:hlinkClick r:id="rId2"/>
+              </a:rPr>
+              <a:t>https://</a:t>
+            </a:r>
+            <a:r>
+              <a:rPr lang="en-IN" sz="2400" b="1" dirty="0" smtClean="0">
+                <a:hlinkClick r:id="rId2"/>
+              </a:rPr>
+              <a:t>docs.confluent.io/platform/current/schema-registry/installation/index.html</a:t>
+            </a:r>
+            <a:r>
+              <a:rPr lang="en-IN" sz="2400" b="1" dirty="0" smtClean="0"/>
+              <a:t>  - Requires Confluent SDK/CLI – Linux OS Required.</a:t>
+            </a:r>
+          </a:p>
+          <a:p>
+            <a:pPr marL="0" indent="0">
+              <a:buNone/>
+            </a:pPr>
+            <a:endParaRPr lang="en-IN" sz="2400" b="1" dirty="0" smtClean="0"/>
+          </a:p>
+          <a:p>
+            <a:r>
+              <a:rPr lang="en-IN" sz="2400" b="1" dirty="0" smtClean="0"/>
+              <a:t>Simple Quick Start to get Hands On Will be launching </a:t>
+            </a:r>
+            <a:r>
+              <a:rPr lang="en-IN" sz="2400" b="1" dirty="0" err="1" smtClean="0"/>
+              <a:t>Landoop</a:t>
+            </a:r>
+            <a:r>
+              <a:rPr lang="en-IN" sz="2400" b="1" dirty="0" smtClean="0"/>
+              <a:t> Kafka Cluster Image as Docker Container – provided the Docker Compose File in Git Repo.</a:t>
+            </a:r>
+          </a:p>
+          <a:p>
+            <a:pPr marL="0" indent="0">
+              <a:buNone/>
+            </a:pPr>
+            <a:endParaRPr lang="en-IN" sz="2400" b="1" dirty="0"/>
+          </a:p>
+          <a:p>
+            <a:r>
+              <a:rPr lang="en-IN" sz="2000" b="1" dirty="0">
+                <a:solidFill>
+                  <a:srgbClr val="FF0000"/>
+                </a:solidFill>
+              </a:rPr>
+              <a:t> </a:t>
+            </a:r>
+            <a:r>
+              <a:rPr lang="en-IN" sz="2000" b="1" dirty="0">
+                <a:solidFill>
+                  <a:srgbClr val="FF0000"/>
+                </a:solidFill>
+                <a:hlinkClick r:id="rId3"/>
+              </a:rPr>
+              <a:t>https://</a:t>
+            </a:r>
+            <a:r>
+              <a:rPr lang="en-IN" sz="2000" b="1" dirty="0" smtClean="0">
+                <a:solidFill>
+                  <a:srgbClr val="FF0000"/>
+                </a:solidFill>
+                <a:hlinkClick r:id="rId3"/>
+              </a:rPr>
+              <a:t>github.com/sribaabu/kmc</a:t>
+            </a:r>
+            <a:r>
+              <a:rPr lang="en-IN" sz="2000" b="1" dirty="0" smtClean="0">
+                <a:solidFill>
+                  <a:srgbClr val="FF0000"/>
+                </a:solidFill>
+              </a:rPr>
+              <a:t>  - GitHub for Resources.</a:t>
+            </a:r>
+            <a:endParaRPr lang="en-IN" sz="2000" b="1" dirty="0">
+              <a:solidFill>
+                <a:srgbClr val="FF0000"/>
+              </a:solidFill>
+            </a:endParaRPr>
+          </a:p>
+        </p:txBody>
+      </p:sp>
+    </p:spTree>
+    <p:extLst>
+      <p:ext uri="{BB962C8B-B14F-4D97-AF65-F5344CB8AC3E}">
+        <p14:creationId xmlns:p14="http://schemas.microsoft.com/office/powerpoint/2010/main" val="3450454444"/>
+      </p:ext>
+    </p:extLst>
+  </p:cSld>
+  <p:clrMapOvr>
+    <a:masterClrMapping/>
+  </p:clrMapOvr>
+</p:sld>
+</file>
+
 <file path=ppt/slides/slide2.xml><?xml version="1.0" encoding="utf-8"?>
 <p:sld xmlns:a="http://schemas.openxmlformats.org/drawingml/2006/main" xmlns:r="http://schemas.openxmlformats.org/officeDocument/2006/relationships" xmlns:p="http://schemas.openxmlformats.org/presentationml/2006/main">
   <p:cSld>
@@ -7876,6 +8038,31 @@
             </a:r>
           </a:p>
           <a:p>
+            <a:endParaRPr lang="en-IN" sz="2400" b="1" dirty="0"/>
+          </a:p>
+          <a:p>
+            <a:r>
+              <a:rPr lang="en-IN" sz="2400" b="1" dirty="0"/>
+              <a:t>Confluent Schema Registry comes to  Rescue</a:t>
+            </a:r>
+            <a:r>
+              <a:rPr lang="en-IN" sz="2400" b="1" dirty="0" smtClean="0"/>
+              <a:t>.</a:t>
+            </a:r>
+          </a:p>
+          <a:p>
+            <a:pPr marL="0" indent="0">
+              <a:buNone/>
+            </a:pPr>
+            <a:endParaRPr lang="en-IN" sz="2400" b="1" dirty="0" smtClean="0"/>
+          </a:p>
+          <a:p>
+            <a:r>
+              <a:rPr lang="en-IN" sz="2400" b="1" dirty="0" smtClean="0"/>
+              <a:t>Validation is done through Schema Registry. </a:t>
+            </a:r>
+          </a:p>
+          <a:p>
             <a:endParaRPr lang="en-IN" sz="2400" b="1" dirty="0" smtClean="0"/>
           </a:p>
           <a:p>
@@ -7893,36 +8080,13 @@
             </a:r>
           </a:p>
           <a:p>
+            <a:pPr marL="0" indent="0">
+              <a:buNone/>
+            </a:pPr>
             <a:endParaRPr lang="en-IN" sz="2400" b="1" dirty="0" smtClean="0"/>
           </a:p>
           <a:p>
-            <a:r>
-              <a:rPr lang="en-IN" sz="2400" b="1" dirty="0" smtClean="0"/>
-              <a:t>We can Adapt Data </a:t>
-            </a:r>
-            <a:r>
-              <a:rPr lang="en-IN" sz="2400" b="1" smtClean="0"/>
-              <a:t>Model Change.</a:t>
-            </a:r>
-            <a:endParaRPr lang="en-IN" sz="2400" b="1" dirty="0"/>
-          </a:p>
-          <a:p>
             <a:endParaRPr lang="en-IN" sz="2400" b="1" dirty="0" smtClean="0"/>
-          </a:p>
-          <a:p>
-            <a:r>
-              <a:rPr lang="en-IN" sz="2400" b="1" dirty="0" smtClean="0"/>
-              <a:t>Confluent </a:t>
-            </a:r>
-            <a:r>
-              <a:rPr lang="en-IN" sz="2400" b="1" dirty="0"/>
-              <a:t>Schema </a:t>
-            </a:r>
-            <a:r>
-              <a:rPr lang="en-IN" sz="2400" b="1" dirty="0" smtClean="0"/>
-              <a:t>Registry comes to  Rescue.</a:t>
-            </a:r>
-            <a:endParaRPr lang="en-IN" sz="2400" b="1" dirty="0"/>
           </a:p>
           <a:p>
             <a:endParaRPr lang="en-IN" sz="2400" b="1" dirty="0" smtClean="0"/>
@@ -8008,32 +8172,73 @@
         <p:spPr/>
         <p:txBody>
           <a:bodyPr>
-            <a:normAutofit/>
+            <a:normAutofit fontScale="92500"/>
           </a:bodyPr>
           <a:lstStyle/>
           <a:p>
             <a:r>
               <a:rPr lang="en-IN" sz="2400" b="1" dirty="0" smtClean="0"/>
-              <a:t>We can various Schemas such as JSON schemas.</a:t>
-            </a:r>
-          </a:p>
-          <a:p>
+              <a:t>We </a:t>
+            </a:r>
+            <a:r>
+              <a:rPr lang="en-IN" sz="2400" b="1" dirty="0" smtClean="0"/>
+              <a:t>can use </a:t>
+            </a:r>
+            <a:r>
+              <a:rPr lang="en-IN" sz="2400" b="1" dirty="0" smtClean="0"/>
+              <a:t>various Schemas such as JSON </a:t>
+            </a:r>
+            <a:r>
+              <a:rPr lang="en-IN" sz="2400" b="1" dirty="0" smtClean="0"/>
+              <a:t>schemas , </a:t>
+            </a:r>
+            <a:r>
+              <a:rPr lang="en-IN" sz="2400" b="1" dirty="0" err="1" smtClean="0"/>
+              <a:t>ProtoBuff</a:t>
+            </a:r>
+            <a:r>
+              <a:rPr lang="en-IN" sz="2400" b="1" dirty="0" smtClean="0"/>
+              <a:t> </a:t>
+            </a:r>
+            <a:r>
+              <a:rPr lang="en-IN" sz="2400" b="1" dirty="0" err="1" smtClean="0"/>
+              <a:t>etc</a:t>
+            </a:r>
+            <a:r>
+              <a:rPr lang="en-IN" sz="2400" b="1" dirty="0" smtClean="0"/>
+              <a:t> in Schema Registry to perform Validation.</a:t>
+            </a:r>
             <a:endParaRPr lang="en-IN" sz="2400" b="1" dirty="0" smtClean="0"/>
           </a:p>
           <a:p>
+            <a:endParaRPr lang="en-IN" sz="2400" b="1" dirty="0" smtClean="0"/>
+          </a:p>
+          <a:p>
+            <a:r>
+              <a:rPr lang="en-IN" sz="2400" b="1" dirty="0"/>
+              <a:t>But If the data doesn’t have appropriate Schema, Producing data to the topic will still fail</a:t>
+            </a:r>
             <a:r>
               <a:rPr lang="en-IN" sz="2400" b="1" dirty="0" smtClean="0"/>
-              <a:t>But it lacks the support to adapt evolution (Data Model Change / Schema Change)</a:t>
-            </a:r>
-          </a:p>
-          <a:p>
+              <a:t>.</a:t>
+            </a:r>
+            <a:r>
+              <a:rPr lang="en-IN" sz="2400" b="1" dirty="0"/>
+              <a:t> But it lacks the support to adapt evolution (Data Model Change / Schema Change)</a:t>
+            </a:r>
+          </a:p>
+          <a:p>
+            <a:pPr marL="0" indent="0">
+              <a:buNone/>
+            </a:pPr>
             <a:endParaRPr lang="en-IN" sz="2400" b="1" dirty="0" smtClean="0"/>
           </a:p>
           <a:p>
             <a:r>
-              <a:rPr lang="en-IN" sz="2400" b="1" dirty="0" smtClean="0"/>
-              <a:t>We have Apache Avro To Solve this.</a:t>
-            </a:r>
+              <a:rPr lang="en-IN" sz="2400" b="1" dirty="0"/>
+              <a:t>We can Adapt Data Model Change By leveraging Apache Avro with Schema Registry.</a:t>
+            </a:r>
+            <a:endParaRPr lang="en-IN" sz="2400" b="1" dirty="0"/>
           </a:p>
         </p:txBody>
       </p:sp>
@@ -8084,7 +8289,11 @@
           <a:p>
             <a:r>
               <a:rPr lang="en-IN" b="1" dirty="0"/>
-              <a:t>Various Schemas and Avro</a:t>
+              <a:t>Various Schemas and </a:t>
+            </a:r>
+            <a:r>
+              <a:rPr lang="en-IN" b="1" dirty="0" smtClean="0"/>
+              <a:t>Avro Contd.</a:t>
             </a:r>
             <a:endParaRPr lang="en-IN" dirty="0"/>
           </a:p>
@@ -8345,7 +8554,15 @@
           <a:p>
             <a:r>
               <a:rPr lang="en-IN" sz="2400" b="1" dirty="0" smtClean="0"/>
-              <a:t>Add Schema / Store Schema. – Schemas are Cached in Registry and Stored in a Kafka Topic .</a:t>
+              <a:t>Add Schema / Store </a:t>
+            </a:r>
+            <a:r>
+              <a:rPr lang="en-IN" sz="2400" b="1" dirty="0" smtClean="0"/>
+              <a:t>Schema </a:t>
+            </a:r>
+            <a:r>
+              <a:rPr lang="en-IN" sz="2400" b="1" dirty="0" smtClean="0"/>
+              <a:t>– Schemas are Cached in Registry and Stored in a Kafka Topic .</a:t>
             </a:r>
           </a:p>
           <a:p>
@@ -8431,11 +8648,12 @@
           <a:bodyPr/>
           <a:lstStyle/>
           <a:p>
-            <a:r>
-              <a:rPr lang="en-IN" dirty="0" err="1" smtClean="0"/>
+            <a:pPr algn="ctr"/>
+            <a:r>
+              <a:rPr lang="en-IN" b="1" dirty="0" err="1" smtClean="0"/>
               <a:t>Compatibilty</a:t>
             </a:r>
-            <a:endParaRPr lang="en-IN" dirty="0"/>
+            <a:endParaRPr lang="en-IN" b="1" dirty="0"/>
           </a:p>
         </p:txBody>
       </p:sp>
@@ -8449,25 +8667,52 @@
             <p:ph idx="1"/>
           </p:nvPr>
         </p:nvSpPr>
-        <p:spPr/>
+        <p:spPr>
+          <a:xfrm>
+            <a:off x="2227811" y="1463040"/>
+            <a:ext cx="9276801" cy="4448182"/>
+          </a:xfrm>
+        </p:spPr>
         <p:txBody>
           <a:bodyPr>
-            <a:normAutofit lnSpcReduction="10000"/>
+            <a:normAutofit fontScale="77500" lnSpcReduction="20000"/>
           </a:bodyPr>
           <a:lstStyle/>
           <a:p>
             <a:r>
               <a:rPr lang="en-IN" sz="2400" b="1" dirty="0" smtClean="0"/>
-              <a:t>Forward Compatibility:</a:t>
-            </a:r>
-          </a:p>
-          <a:p>
-            <a:r>
-              <a:rPr lang="en-IN" sz="2000" b="1" dirty="0"/>
+              <a:t>Apache Avro provides Adaptability to Data Model Changes  to an Extent. We term it as Compatibility. </a:t>
+            </a:r>
+          </a:p>
+          <a:p>
+            <a:endParaRPr lang="en-IN" sz="2400" b="1" dirty="0" smtClean="0"/>
+          </a:p>
+          <a:p>
+            <a:r>
+              <a:rPr lang="en-IN" sz="2400" b="1" dirty="0" smtClean="0"/>
+              <a:t>The Schema Registry Supports Three Compatibility Modes:</a:t>
+            </a:r>
+          </a:p>
+          <a:p>
+            <a:endParaRPr lang="en-IN" sz="2400" b="1" dirty="0" smtClean="0"/>
+          </a:p>
+          <a:p>
+            <a:r>
+              <a:rPr lang="en-IN" sz="2400" b="1" dirty="0" smtClean="0"/>
+              <a:t>Forward </a:t>
+            </a:r>
+            <a:r>
+              <a:rPr lang="en-IN" sz="2400" b="1" dirty="0" smtClean="0"/>
+              <a:t>Compatibility:</a:t>
+            </a:r>
+          </a:p>
+          <a:p>
+            <a:r>
+              <a:rPr lang="en-IN" sz="2300" dirty="0"/>
               <a:t> </a:t>
             </a:r>
             <a:r>
-              <a:rPr lang="en-IN" sz="2000" b="1" dirty="0" smtClean="0"/>
+              <a:rPr lang="en-IN" sz="2300" dirty="0" smtClean="0"/>
               <a:t> Producer can Use New Schema, Without breaking the Consumer.</a:t>
             </a:r>
           </a:p>
@@ -8486,7 +8731,7 @@
           </a:p>
           <a:p>
             <a:r>
-              <a:rPr lang="en-IN" sz="2000" b="1" dirty="0" smtClean="0"/>
+              <a:rPr lang="en-IN" sz="2000" dirty="0" smtClean="0"/>
               <a:t>Consumer Can Use New Schema , To consume data Produced using Old Schema. </a:t>
             </a:r>
           </a:p>
@@ -8501,10 +8746,10 @@
           </a:p>
           <a:p>
             <a:r>
-              <a:rPr lang="en-IN" sz="2400" b="1" dirty="0" smtClean="0"/>
+              <a:rPr lang="en-IN" sz="2400" dirty="0" smtClean="0"/>
               <a:t>Forward + Backward.</a:t>
             </a:r>
-            <a:endParaRPr lang="en-IN" sz="2400" b="1" dirty="0"/>
+            <a:endParaRPr lang="en-IN" sz="2400" dirty="0"/>
           </a:p>
         </p:txBody>
       </p:sp>
@@ -8553,121 +8798,49 @@
           <a:bodyPr/>
           <a:lstStyle/>
           <a:p>
+            <a:pPr algn="ctr"/>
+            <a:r>
+              <a:rPr lang="en-IN" b="1" dirty="0" err="1" smtClean="0"/>
+              <a:t>Compatibilty</a:t>
+            </a:r>
             <a:r>
               <a:rPr lang="en-IN" b="1" dirty="0" smtClean="0"/>
-              <a:t>Installation Guide </a:t>
+              <a:t> Contd.</a:t>
             </a:r>
             <a:endParaRPr lang="en-IN" b="1" dirty="0"/>
           </a:p>
         </p:txBody>
       </p:sp>
-      <p:sp>
-        <p:nvSpPr>
+      <p:pic>
+        <p:nvPicPr>
           <p:cNvPr id="4" name="Content Placeholder 3"/>
-          <p:cNvSpPr>
-            <a:spLocks noGrp="1"/>
-          </p:cNvSpPr>
+          <p:cNvPicPr>
+            <a:picLocks noGrp="1" noChangeAspect="1"/>
+          </p:cNvPicPr>
           <p:nvPr>
             <p:ph idx="1"/>
           </p:nvPr>
-        </p:nvSpPr>
-        <p:spPr/>
-        <p:txBody>
-          <a:bodyPr>
-            <a:normAutofit lnSpcReduction="10000"/>
-          </a:bodyPr>
-          <a:lstStyle/>
-          <a:p>
-            <a:r>
-              <a:rPr lang="en-IN" sz="2400" b="1" dirty="0">
-                <a:hlinkClick r:id="rId2"/>
-              </a:rPr>
-              <a:t>https://</a:t>
-            </a:r>
-            <a:r>
-              <a:rPr lang="en-IN" sz="2400" b="1" dirty="0" smtClean="0">
-                <a:hlinkClick r:id="rId2"/>
-              </a:rPr>
-              <a:t>docs.confluent.io/platform/current/schema-registry/installation/index.html</a:t>
-            </a:r>
-            <a:r>
-              <a:rPr lang="en-IN" sz="2400" b="1" dirty="0" smtClean="0"/>
-              <a:t>  - Requires Confluent SDK/CLI – Linux OS Required.</a:t>
-            </a:r>
-          </a:p>
-          <a:p>
-            <a:pPr marL="0" indent="0">
-              <a:buNone/>
-            </a:pPr>
-            <a:endParaRPr lang="en-IN" sz="2400" b="1" dirty="0" smtClean="0"/>
-          </a:p>
-          <a:p>
-            <a:r>
-              <a:rPr lang="en-IN" sz="2400" b="1" dirty="0" smtClean="0"/>
-              <a:t>Simple Quick Start to get Hands On Will be launching </a:t>
-            </a:r>
-            <a:r>
-              <a:rPr lang="en-IN" sz="2400" b="1" dirty="0" err="1" smtClean="0"/>
-              <a:t>Landoop</a:t>
-            </a:r>
-            <a:r>
-              <a:rPr lang="en-IN" sz="2400" b="1" dirty="0" smtClean="0"/>
-              <a:t> Kafka Cluster Image as Docker Container – provided the Docker Compose File in Git Repo.</a:t>
-            </a:r>
-          </a:p>
-          <a:p>
-            <a:pPr marL="0" indent="0">
-              <a:buNone/>
-            </a:pPr>
-            <a:endParaRPr lang="en-IN" sz="2400" b="1" dirty="0"/>
-          </a:p>
-          <a:p>
-            <a:r>
-              <a:rPr lang="en-IN" sz="2000" b="1" dirty="0">
-                <a:solidFill>
-                  <a:srgbClr val="FF0000"/>
-                </a:solidFill>
-              </a:rPr>
-              <a:t> </a:t>
-            </a:r>
-            <a:r>
-              <a:rPr lang="en-IN" sz="2000" b="1" dirty="0">
-                <a:solidFill>
-                  <a:srgbClr val="FF0000"/>
-                </a:solidFill>
-                <a:hlinkClick r:id="rId3"/>
-              </a:rPr>
-              <a:t>https://</a:t>
-            </a:r>
-            <a:r>
-              <a:rPr lang="en-IN" sz="2000" b="1" dirty="0" smtClean="0">
-                <a:solidFill>
-                  <a:srgbClr val="FF0000"/>
-                </a:solidFill>
-                <a:hlinkClick r:id="rId3"/>
-              </a:rPr>
-              <a:t>github.com/sribaabu/kmc</a:t>
-            </a:r>
-            <a:r>
-              <a:rPr lang="en-IN" sz="2000" b="1" dirty="0" smtClean="0">
-                <a:solidFill>
-                  <a:srgbClr val="FF0000"/>
-                </a:solidFill>
-              </a:rPr>
-              <a:t>  - GitHub for Resources.</a:t>
-            </a:r>
-            <a:endParaRPr lang="en-IN" sz="2000" b="1" dirty="0">
-              <a:solidFill>
-                <a:srgbClr val="FF0000"/>
-              </a:solidFill>
-            </a:endParaRPr>
-          </a:p>
-        </p:txBody>
-      </p:sp>
+        </p:nvPicPr>
+        <p:blipFill>
+          <a:blip r:embed="rId2"/>
+          <a:stretch>
+            <a:fillRect/>
+          </a:stretch>
+        </p:blipFill>
+        <p:spPr>
+          <a:xfrm>
+            <a:off x="2382622" y="2310938"/>
+            <a:ext cx="8828015" cy="2613631"/>
+          </a:xfrm>
+          <a:prstGeom prst="rect">
+            <a:avLst/>
+          </a:prstGeom>
+        </p:spPr>
+      </p:pic>
     </p:spTree>
     <p:extLst>
       <p:ext uri="{BB962C8B-B14F-4D97-AF65-F5344CB8AC3E}">
-        <p14:creationId xmlns:p14="http://schemas.microsoft.com/office/powerpoint/2010/main" val="3450454444"/>
+        <p14:creationId xmlns:p14="http://schemas.microsoft.com/office/powerpoint/2010/main" val="3489678531"/>
       </p:ext>
     </p:extLst>
   </p:cSld>
